--- a/Documents/UI mechanics concept.pptx
+++ b/Documents/UI mechanics concept.pptx
@@ -272,7 +272,7 @@
           <a:p>
             <a:fld id="{DA0D025A-F88F-4782-A69D-871CA637442B}" type="datetimeFigureOut">
               <a:rPr lang="en-US" smtClean="0"/>
-              <a:t>11/23/2025</a:t>
+              <a:t>1/9/2026</a:t>
             </a:fld>
             <a:endParaRPr lang="en-US"/>
           </a:p>
@@ -470,7 +470,7 @@
           <a:p>
             <a:fld id="{DA0D025A-F88F-4782-A69D-871CA637442B}" type="datetimeFigureOut">
               <a:rPr lang="en-US" smtClean="0"/>
-              <a:t>11/23/2025</a:t>
+              <a:t>1/9/2026</a:t>
             </a:fld>
             <a:endParaRPr lang="en-US"/>
           </a:p>
@@ -678,7 +678,7 @@
           <a:p>
             <a:fld id="{DA0D025A-F88F-4782-A69D-871CA637442B}" type="datetimeFigureOut">
               <a:rPr lang="en-US" smtClean="0"/>
-              <a:t>11/23/2025</a:t>
+              <a:t>1/9/2026</a:t>
             </a:fld>
             <a:endParaRPr lang="en-US"/>
           </a:p>
@@ -876,7 +876,7 @@
           <a:p>
             <a:fld id="{DA0D025A-F88F-4782-A69D-871CA637442B}" type="datetimeFigureOut">
               <a:rPr lang="en-US" smtClean="0"/>
-              <a:t>11/23/2025</a:t>
+              <a:t>1/9/2026</a:t>
             </a:fld>
             <a:endParaRPr lang="en-US"/>
           </a:p>
@@ -1151,7 +1151,7 @@
           <a:p>
             <a:fld id="{DA0D025A-F88F-4782-A69D-871CA637442B}" type="datetimeFigureOut">
               <a:rPr lang="en-US" smtClean="0"/>
-              <a:t>11/23/2025</a:t>
+              <a:t>1/9/2026</a:t>
             </a:fld>
             <a:endParaRPr lang="en-US"/>
           </a:p>
@@ -1416,7 +1416,7 @@
           <a:p>
             <a:fld id="{DA0D025A-F88F-4782-A69D-871CA637442B}" type="datetimeFigureOut">
               <a:rPr lang="en-US" smtClean="0"/>
-              <a:t>11/23/2025</a:t>
+              <a:t>1/9/2026</a:t>
             </a:fld>
             <a:endParaRPr lang="en-US"/>
           </a:p>
@@ -1828,7 +1828,7 @@
           <a:p>
             <a:fld id="{DA0D025A-F88F-4782-A69D-871CA637442B}" type="datetimeFigureOut">
               <a:rPr lang="en-US" smtClean="0"/>
-              <a:t>11/23/2025</a:t>
+              <a:t>1/9/2026</a:t>
             </a:fld>
             <a:endParaRPr lang="en-US"/>
           </a:p>
@@ -1969,7 +1969,7 @@
           <a:p>
             <a:fld id="{DA0D025A-F88F-4782-A69D-871CA637442B}" type="datetimeFigureOut">
               <a:rPr lang="en-US" smtClean="0"/>
-              <a:t>11/23/2025</a:t>
+              <a:t>1/9/2026</a:t>
             </a:fld>
             <a:endParaRPr lang="en-US"/>
           </a:p>
@@ -2082,7 +2082,7 @@
           <a:p>
             <a:fld id="{DA0D025A-F88F-4782-A69D-871CA637442B}" type="datetimeFigureOut">
               <a:rPr lang="en-US" smtClean="0"/>
-              <a:t>11/23/2025</a:t>
+              <a:t>1/9/2026</a:t>
             </a:fld>
             <a:endParaRPr lang="en-US"/>
           </a:p>
@@ -2393,7 +2393,7 @@
           <a:p>
             <a:fld id="{DA0D025A-F88F-4782-A69D-871CA637442B}" type="datetimeFigureOut">
               <a:rPr lang="en-US" smtClean="0"/>
-              <a:t>11/23/2025</a:t>
+              <a:t>1/9/2026</a:t>
             </a:fld>
             <a:endParaRPr lang="en-US"/>
           </a:p>
@@ -2681,7 +2681,7 @@
           <a:p>
             <a:fld id="{DA0D025A-F88F-4782-A69D-871CA637442B}" type="datetimeFigureOut">
               <a:rPr lang="en-US" smtClean="0"/>
-              <a:t>11/23/2025</a:t>
+              <a:t>1/9/2026</a:t>
             </a:fld>
             <a:endParaRPr lang="en-US"/>
           </a:p>
@@ -2922,7 +2922,7 @@
           <a:p>
             <a:fld id="{DA0D025A-F88F-4782-A69D-871CA637442B}" type="datetimeFigureOut">
               <a:rPr lang="en-US" smtClean="0"/>
-              <a:t>11/23/2025</a:t>
+              <a:t>1/9/2026</a:t>
             </a:fld>
             <a:endParaRPr lang="en-US"/>
           </a:p>
@@ -4804,64 +4804,6 @@
           </a:extLst>
         </p:spPr>
       </p:pic>
-      <p:sp>
-        <p:nvSpPr>
-          <p:cNvPr id="6" name="Rectangle 5">
-            <a:extLst>
-              <a:ext uri="{FF2B5EF4-FFF2-40B4-BE49-F238E27FC236}">
-                <a16:creationId xmlns:a16="http://schemas.microsoft.com/office/drawing/2014/main" id="{9CE357B2-03B1-8745-8F34-1AD11CD2FBC2}"/>
-              </a:ext>
-            </a:extLst>
-          </p:cNvPr>
-          <p:cNvSpPr/>
-          <p:nvPr/>
-        </p:nvSpPr>
-        <p:spPr>
-          <a:xfrm>
-            <a:off x="6439200" y="708919"/>
-            <a:ext cx="2017695" cy="2116476"/>
-          </a:xfrm>
-          <a:prstGeom prst="rect">
-            <a:avLst/>
-          </a:prstGeom>
-        </p:spPr>
-        <p:style>
-          <a:lnRef idx="2">
-            <a:schemeClr val="accent1">
-              <a:shade val="15000"/>
-            </a:schemeClr>
-          </a:lnRef>
-          <a:fillRef idx="1">
-            <a:schemeClr val="accent1"/>
-          </a:fillRef>
-          <a:effectRef idx="0">
-            <a:schemeClr val="accent1"/>
-          </a:effectRef>
-          <a:fontRef idx="minor">
-            <a:schemeClr val="lt1"/>
-          </a:fontRef>
-        </p:style>
-        <p:txBody>
-          <a:bodyPr rtlCol="0" anchor="t">
-            <a:normAutofit/>
-          </a:bodyPr>
-          <a:lstStyle/>
-          <a:p>
-            <a:r>
-              <a:rPr lang="en-US" dirty="0"/>
-              <a:t>10. The coordinate icon in the top corner of the grid can be used to randomly place the entire word on </a:t>
-            </a:r>
-            <a:r>
-              <a:rPr lang="en-US"/>
-              <a:t>the grid.</a:t>
-            </a:r>
-            <a:endParaRPr lang="en-US" dirty="0"/>
-          </a:p>
-          <a:p>
-            <a:endParaRPr lang="en-US" dirty="0"/>
-          </a:p>
-        </p:txBody>
-      </p:sp>
     </p:spTree>
     <p:extLst>
       <p:ext uri="{BB962C8B-B14F-4D97-AF65-F5344CB8AC3E}">
